--- a/WebContent/WEB-INF/postUnison.pptx
+++ b/WebContent/WEB-INF/postUnison.pptx
@@ -203,7 +203,7 @@
           <a:p>
             <a:fld id="{B4297479-840D-294F-9C08-55F5B586E708}" type="datetimeFigureOut">
               <a:rPr lang="en-US" smtClean="0"/>
-              <a:t>5/4/15</a:t>
+              <a:t>22/07/16</a:t>
             </a:fld>
             <a:endParaRPr lang="en-US"/>
           </a:p>
@@ -3265,7 +3265,7 @@
           <a:p>
             <a:fld id="{30F42486-D2A3-2447-A496-D33DD53C7227}" type="datetimeFigureOut">
               <a:rPr lang="en-US" smtClean="0"/>
-              <a:t>5/4/15</a:t>
+              <a:t>22/07/16</a:t>
             </a:fld>
             <a:endParaRPr lang="en-US"/>
           </a:p>
@@ -3435,7 +3435,7 @@
           <a:p>
             <a:fld id="{30F42486-D2A3-2447-A496-D33DD53C7227}" type="datetimeFigureOut">
               <a:rPr lang="en-US" smtClean="0"/>
-              <a:t>5/4/15</a:t>
+              <a:t>22/07/16</a:t>
             </a:fld>
             <a:endParaRPr lang="en-US"/>
           </a:p>
@@ -3615,7 +3615,7 @@
           <a:p>
             <a:fld id="{30F42486-D2A3-2447-A496-D33DD53C7227}" type="datetimeFigureOut">
               <a:rPr lang="en-US" smtClean="0"/>
-              <a:t>5/4/15</a:t>
+              <a:t>22/07/16</a:t>
             </a:fld>
             <a:endParaRPr lang="en-US"/>
           </a:p>
@@ -4233,7 +4233,7 @@
           <a:p>
             <a:fld id="{30F42486-D2A3-2447-A496-D33DD53C7227}" type="datetimeFigureOut">
               <a:rPr lang="en-US" smtClean="0"/>
-              <a:t>5/4/15</a:t>
+              <a:t>22/07/16</a:t>
             </a:fld>
             <a:endParaRPr lang="en-US"/>
           </a:p>
@@ -4479,7 +4479,7 @@
           <a:p>
             <a:fld id="{30F42486-D2A3-2447-A496-D33DD53C7227}" type="datetimeFigureOut">
               <a:rPr lang="en-US" smtClean="0"/>
-              <a:t>5/4/15</a:t>
+              <a:t>22/07/16</a:t>
             </a:fld>
             <a:endParaRPr lang="en-US"/>
           </a:p>
@@ -4767,7 +4767,7 @@
           <a:p>
             <a:fld id="{30F42486-D2A3-2447-A496-D33DD53C7227}" type="datetimeFigureOut">
               <a:rPr lang="en-US" smtClean="0"/>
-              <a:t>5/4/15</a:t>
+              <a:t>22/07/16</a:t>
             </a:fld>
             <a:endParaRPr lang="en-US"/>
           </a:p>
@@ -5189,7 +5189,7 @@
           <a:p>
             <a:fld id="{30F42486-D2A3-2447-A496-D33DD53C7227}" type="datetimeFigureOut">
               <a:rPr lang="en-US" smtClean="0"/>
-              <a:t>5/4/15</a:t>
+              <a:t>22/07/16</a:t>
             </a:fld>
             <a:endParaRPr lang="en-US"/>
           </a:p>
@@ -5307,7 +5307,7 @@
           <a:p>
             <a:fld id="{30F42486-D2A3-2447-A496-D33DD53C7227}" type="datetimeFigureOut">
               <a:rPr lang="en-US" smtClean="0"/>
-              <a:t>5/4/15</a:t>
+              <a:t>22/07/16</a:t>
             </a:fld>
             <a:endParaRPr lang="en-US"/>
           </a:p>
@@ -5402,7 +5402,7 @@
           <a:p>
             <a:fld id="{30F42486-D2A3-2447-A496-D33DD53C7227}" type="datetimeFigureOut">
               <a:rPr lang="en-US" smtClean="0"/>
-              <a:t>5/4/15</a:t>
+              <a:t>22/07/16</a:t>
             </a:fld>
             <a:endParaRPr lang="en-US"/>
           </a:p>
@@ -5679,7 +5679,7 @@
           <a:p>
             <a:fld id="{30F42486-D2A3-2447-A496-D33DD53C7227}" type="datetimeFigureOut">
               <a:rPr lang="en-US" smtClean="0"/>
-              <a:t>5/4/15</a:t>
+              <a:t>22/07/16</a:t>
             </a:fld>
             <a:endParaRPr lang="en-US"/>
           </a:p>
@@ -5932,7 +5932,7 @@
           <a:p>
             <a:fld id="{30F42486-D2A3-2447-A496-D33DD53C7227}" type="datetimeFigureOut">
               <a:rPr lang="en-US" smtClean="0"/>
-              <a:t>5/4/15</a:t>
+              <a:t>22/07/16</a:t>
             </a:fld>
             <a:endParaRPr lang="en-US"/>
           </a:p>
@@ -6145,7 +6145,7 @@
           <a:p>
             <a:fld id="{30F42486-D2A3-2447-A496-D33DD53C7227}" type="datetimeFigureOut">
               <a:rPr lang="en-US" smtClean="0"/>
-              <a:t>5/4/15</a:t>
+              <a:t>22/07/16</a:t>
             </a:fld>
             <a:endParaRPr lang="en-US"/>
           </a:p>
@@ -8920,7 +8920,7 @@
         <p:spPr bwMode="auto">
           <a:xfrm>
             <a:off x="2781300" y="6324600"/>
-            <a:ext cx="3505200" cy="533400"/>
+            <a:ext cx="4087368" cy="533400"/>
           </a:xfrm>
           <a:prstGeom prst="rect">
             <a:avLst/>
@@ -8943,13 +8943,31 @@
               </a:spcBef>
             </a:pPr>
             <a:r>
-              <a:rPr lang="en-US" sz="2400" b="1">
+              <a:rPr lang="en-US" sz="2400" b="1" dirty="0">
                 <a:solidFill>
                   <a:srgbClr val="FF0000"/>
                 </a:solidFill>
                 <a:cs typeface="Times New Roman" pitchFamily="18" charset="0"/>
               </a:rPr>
-              <a:t>Divine Code of Conduct....</a:t>
+              <a:t>Divine </a:t>
+            </a:r>
+            <a:r>
+              <a:rPr lang="en-US" sz="2400" b="1" dirty="0" smtClean="0">
+                <a:solidFill>
+                  <a:srgbClr val="FF0000"/>
+                </a:solidFill>
+                <a:cs typeface="Times New Roman" pitchFamily="18" charset="0"/>
+              </a:rPr>
+              <a:t>Guiding Principle.</a:t>
+            </a:r>
+            <a:r>
+              <a:rPr lang="en-US" sz="2400" b="1" dirty="0">
+                <a:solidFill>
+                  <a:srgbClr val="FF0000"/>
+                </a:solidFill>
+                <a:cs typeface="Times New Roman" pitchFamily="18" charset="0"/>
+              </a:rPr>
+              <a:t>...</a:t>
             </a:r>
           </a:p>
         </p:txBody>
